--- a/doc/Cache_Arch/cache_explained.pptx
+++ b/doc/Cache_Arch/cache_explained.pptx
@@ -151,13 +151,18 @@
       </a:defRPr>
     </a:lvl9pPr>
   </p:defaultTextStyle>
+  <p:extLst>
+    <p:ext uri="{EFAFB233-063F-42B5-8137-9DF3F51BA10A}">
+      <p15:sldGuideLst xmlns:p15="http://schemas.microsoft.com/office/powerpoint/2012/main"/>
+    </p:ext>
+  </p:extLst>
 </p:presentation>
 </file>
 
 <file path=ppt/revisionInfo.xml><?xml version="1.0" encoding="utf-8"?>
 <p1510:revInfo xmlns:a="http://schemas.openxmlformats.org/drawingml/2006/main" xmlns:r="http://schemas.openxmlformats.org/officeDocument/2006/relationships" xmlns:p1510="http://schemas.microsoft.com/office/powerpoint/2015/10/main">
   <p1510:revLst>
-    <p1510:client id="{5EE80532-1539-43A7-9942-D7EF6A3EA73D}" v="35" dt="2022-11-22T10:43:38.176"/>
+    <p1510:client id="{5EE80532-1539-43A7-9942-D7EF6A3EA73D}" v="36" dt="2022-11-22T10:55:24.006"/>
   </p1510:revLst>
 </p1510:revInfo>
 </file>
@@ -167,7 +172,7 @@
   <pc:docChgLst>
     <pc:chgData name="Amichai Ben David" userId="effe4c4b-4611-44ab-9d6b-f44045953326" providerId="ADAL" clId="{5EE80532-1539-43A7-9942-D7EF6A3EA73D}"/>
     <pc:docChg chg="undo custSel addSld delSld modSld sldOrd">
-      <pc:chgData name="Amichai Ben David" userId="effe4c4b-4611-44ab-9d6b-f44045953326" providerId="ADAL" clId="{5EE80532-1539-43A7-9942-D7EF6A3EA73D}" dt="2022-11-22T10:43:38.176" v="166"/>
+      <pc:chgData name="Amichai Ben David" userId="effe4c4b-4611-44ab-9d6b-f44045953326" providerId="ADAL" clId="{5EE80532-1539-43A7-9942-D7EF6A3EA73D}" dt="2022-11-22T10:55:53.475" v="186" actId="113"/>
       <pc:docMkLst>
         <pc:docMk/>
       </pc:docMkLst>
@@ -291,7 +296,7 @@
         </pc:spChg>
       </pc:sldChg>
       <pc:sldChg chg="addSp delSp modSp new mod setBg setClrOvrMap">
-        <pc:chgData name="Amichai Ben David" userId="effe4c4b-4611-44ab-9d6b-f44045953326" providerId="ADAL" clId="{5EE80532-1539-43A7-9942-D7EF6A3EA73D}" dt="2022-11-22T10:32:24.642" v="26" actId="26606"/>
+        <pc:chgData name="Amichai Ben David" userId="effe4c4b-4611-44ab-9d6b-f44045953326" providerId="ADAL" clId="{5EE80532-1539-43A7-9942-D7EF6A3EA73D}" dt="2022-11-22T10:55:53.475" v="186" actId="113"/>
         <pc:sldMkLst>
           <pc:docMk/>
           <pc:sldMk cId="68848944" sldId="257"/>
@@ -305,11 +310,19 @@
           </ac:spMkLst>
         </pc:spChg>
         <pc:spChg chg="mod">
-          <ac:chgData name="Amichai Ben David" userId="effe4c4b-4611-44ab-9d6b-f44045953326" providerId="ADAL" clId="{5EE80532-1539-43A7-9942-D7EF6A3EA73D}" dt="2022-11-22T10:32:24.642" v="26" actId="26606"/>
+          <ac:chgData name="Amichai Ben David" userId="effe4c4b-4611-44ab-9d6b-f44045953326" providerId="ADAL" clId="{5EE80532-1539-43A7-9942-D7EF6A3EA73D}" dt="2022-11-22T10:55:53.475" v="186" actId="113"/>
           <ac:spMkLst>
             <pc:docMk/>
             <pc:sldMk cId="68848944" sldId="257"/>
             <ac:spMk id="3" creationId="{8102290A-B394-895D-98B1-8F9A2ED3F43F}"/>
+          </ac:spMkLst>
+        </pc:spChg>
+        <pc:spChg chg="add mod">
+          <ac:chgData name="Amichai Ben David" userId="effe4c4b-4611-44ab-9d6b-f44045953326" providerId="ADAL" clId="{5EE80532-1539-43A7-9942-D7EF6A3EA73D}" dt="2022-11-22T10:55:40.094" v="175" actId="27636"/>
+          <ac:spMkLst>
+            <pc:docMk/>
+            <pc:sldMk cId="68848944" sldId="257"/>
+            <ac:spMk id="4" creationId="{A4081C06-1784-19C0-9B20-88A3A486944F}"/>
           </ac:spMkLst>
         </pc:spChg>
         <pc:spChg chg="add del">
@@ -17624,107 +17637,392 @@
             <p:ph idx="1"/>
           </p:nvPr>
         </p:nvSpPr>
-        <p:spPr/>
+        <p:spPr>
+          <a:xfrm>
+            <a:off x="913795" y="2096064"/>
+            <a:ext cx="4274025" cy="3695136"/>
+          </a:xfrm>
+        </p:spPr>
         <p:txBody>
           <a:bodyPr>
-            <a:normAutofit fontScale="32500" lnSpcReduction="20000"/>
+            <a:normAutofit lnSpcReduction="10000"/>
           </a:bodyPr>
           <a:lstStyle/>
           <a:p>
-            <a:pPr marL="0" indent="0">
-              <a:buNone/>
-            </a:pPr>
-            <a:r>
-              <a:rPr lang="en-US" b="1"/>
+            <a:r>
+              <a:rPr lang="en-US" dirty="0"/>
               <a:t>Cache Associativity:</a:t>
             </a:r>
           </a:p>
           <a:p>
             <a:r>
-              <a:rPr lang="en-US"/>
+              <a:rPr lang="en-US" dirty="0"/>
               <a:t>Direct Mapping</a:t>
             </a:r>
           </a:p>
           <a:p>
             <a:r>
-              <a:rPr lang="en-US"/>
+              <a:rPr lang="en-US" dirty="0"/>
               <a:t>Fully associative</a:t>
             </a:r>
           </a:p>
           <a:p>
             <a:r>
-              <a:rPr lang="en-US"/>
+              <a:rPr lang="en-US" dirty="0"/>
               <a:t>16/8/4-way associative</a:t>
             </a:r>
           </a:p>
           <a:p>
             <a:r>
-              <a:rPr lang="en-US"/>
+              <a:rPr lang="en-US" dirty="0"/>
               <a:t>Physical Memory address – DDR RAM</a:t>
             </a:r>
           </a:p>
           <a:p>
             <a:r>
-              <a:rPr lang="en-US"/>
+              <a:rPr lang="en-US" dirty="0"/>
               <a:t>TAG, SET, Offset, Way, CL</a:t>
             </a:r>
           </a:p>
           <a:p>
             <a:r>
-              <a:rPr lang="en-US"/>
+              <a:rPr lang="en-US" dirty="0"/>
               <a:t>MESI</a:t>
             </a:r>
           </a:p>
           <a:p>
-            <a:r>
-              <a:rPr lang="en-US"/>
-              <a:t>Snoops – Example: SnpInv, SnpRd, SnpData, </a:t>
-            </a:r>
-          </a:p>
-          <a:p>
-            <a:r>
-              <a:rPr lang="en-US"/>
+            <a:endParaRPr lang="en-US" dirty="0"/>
+          </a:p>
+        </p:txBody>
+      </p:sp>
+      <p:sp>
+        <p:nvSpPr>
+          <p:cNvPr id="4" name="Content Placeholder 2">
+            <a:extLst>
+              <a:ext uri="{FF2B5EF4-FFF2-40B4-BE49-F238E27FC236}">
+                <a16:creationId xmlns:a16="http://schemas.microsoft.com/office/drawing/2014/main" id="{A4081C06-1784-19C0-9B20-88A3A486944F}"/>
+              </a:ext>
+            </a:extLst>
+          </p:cNvPr>
+          <p:cNvSpPr txBox="1">
+            <a:spLocks/>
+          </p:cNvSpPr>
+          <p:nvPr/>
+        </p:nvSpPr>
+        <p:spPr>
+          <a:xfrm>
+            <a:off x="5974097" y="2096064"/>
+            <a:ext cx="4274025" cy="3695136"/>
+          </a:xfrm>
+          <a:prstGeom prst="rect">
+            <a:avLst/>
+          </a:prstGeom>
+        </p:spPr>
+        <p:txBody>
+          <a:bodyPr vert="horz" lIns="91440" tIns="45720" rIns="91440" bIns="45720" rtlCol="0">
+            <a:normAutofit fontScale="92500" lnSpcReduction="20000"/>
+          </a:bodyPr>
+          <a:lstStyle>
+            <a:lvl1pPr marL="228600" indent="-228600" algn="l" defTabSz="914400" rtl="0" eaLnBrk="1" latinLnBrk="0" hangingPunct="1">
+              <a:lnSpc>
+                <a:spcPct val="120000"/>
+              </a:lnSpc>
+              <a:spcBef>
+                <a:spcPts val="1000"/>
+              </a:spcBef>
+              <a:buFont typeface="Arial" panose="020B0604020202020204" pitchFamily="34" charset="0"/>
+              <a:buChar char="•"/>
+              <a:defRPr sz="2000" kern="1200">
+                <a:solidFill>
+                  <a:schemeClr val="tx1"/>
+                </a:solidFill>
+                <a:effectLst>
+                  <a:outerShdw blurRad="50800" dist="38100" dir="2700000" algn="tl" rotWithShape="0">
+                    <a:srgbClr val="000000">
+                      <a:alpha val="48000"/>
+                    </a:srgbClr>
+                  </a:outerShdw>
+                </a:effectLst>
+                <a:latin typeface="+mn-lt"/>
+                <a:ea typeface="+mn-ea"/>
+                <a:cs typeface="+mn-cs"/>
+              </a:defRPr>
+            </a:lvl1pPr>
+            <a:lvl2pPr marL="685800" indent="-228600" algn="l" defTabSz="914400" rtl="0" eaLnBrk="1" latinLnBrk="0" hangingPunct="1">
+              <a:lnSpc>
+                <a:spcPct val="120000"/>
+              </a:lnSpc>
+              <a:spcBef>
+                <a:spcPts val="500"/>
+              </a:spcBef>
+              <a:buFont typeface="Arial" panose="020B0604020202020204" pitchFamily="34" charset="0"/>
+              <a:buChar char="•"/>
+              <a:defRPr sz="1800" kern="1200">
+                <a:solidFill>
+                  <a:schemeClr val="tx1"/>
+                </a:solidFill>
+                <a:effectLst>
+                  <a:outerShdw blurRad="50800" dist="38100" dir="2700000" algn="tl" rotWithShape="0">
+                    <a:srgbClr val="000000">
+                      <a:alpha val="48000"/>
+                    </a:srgbClr>
+                  </a:outerShdw>
+                </a:effectLst>
+                <a:latin typeface="+mn-lt"/>
+                <a:ea typeface="+mn-ea"/>
+                <a:cs typeface="+mn-cs"/>
+              </a:defRPr>
+            </a:lvl2pPr>
+            <a:lvl3pPr marL="1143000" indent="-228600" algn="l" defTabSz="914400" rtl="0" eaLnBrk="1" latinLnBrk="0" hangingPunct="1">
+              <a:lnSpc>
+                <a:spcPct val="120000"/>
+              </a:lnSpc>
+              <a:spcBef>
+                <a:spcPts val="500"/>
+              </a:spcBef>
+              <a:buFont typeface="Arial" panose="020B0604020202020204" pitchFamily="34" charset="0"/>
+              <a:buChar char="•"/>
+              <a:defRPr sz="1600" kern="1200">
+                <a:solidFill>
+                  <a:schemeClr val="tx1"/>
+                </a:solidFill>
+                <a:effectLst>
+                  <a:outerShdw blurRad="50800" dist="38100" dir="2700000" algn="tl" rotWithShape="0">
+                    <a:srgbClr val="000000">
+                      <a:alpha val="48000"/>
+                    </a:srgbClr>
+                  </a:outerShdw>
+                </a:effectLst>
+                <a:latin typeface="+mn-lt"/>
+                <a:ea typeface="+mn-ea"/>
+                <a:cs typeface="+mn-cs"/>
+              </a:defRPr>
+            </a:lvl3pPr>
+            <a:lvl4pPr marL="1600200" indent="-228600" algn="l" defTabSz="914400" rtl="0" eaLnBrk="1" latinLnBrk="0" hangingPunct="1">
+              <a:lnSpc>
+                <a:spcPct val="120000"/>
+              </a:lnSpc>
+              <a:spcBef>
+                <a:spcPts val="500"/>
+              </a:spcBef>
+              <a:buFont typeface="Arial" panose="020B0604020202020204" pitchFamily="34" charset="0"/>
+              <a:buChar char="•"/>
+              <a:defRPr sz="1400" kern="1200">
+                <a:solidFill>
+                  <a:schemeClr val="tx1"/>
+                </a:solidFill>
+                <a:effectLst>
+                  <a:outerShdw blurRad="50800" dist="38100" dir="2700000" algn="tl" rotWithShape="0">
+                    <a:srgbClr val="000000">
+                      <a:alpha val="48000"/>
+                    </a:srgbClr>
+                  </a:outerShdw>
+                </a:effectLst>
+                <a:latin typeface="+mn-lt"/>
+                <a:ea typeface="+mn-ea"/>
+                <a:cs typeface="+mn-cs"/>
+              </a:defRPr>
+            </a:lvl4pPr>
+            <a:lvl5pPr marL="2057400" indent="-228600" algn="l" defTabSz="914400" rtl="0" eaLnBrk="1" latinLnBrk="0" hangingPunct="1">
+              <a:lnSpc>
+                <a:spcPct val="120000"/>
+              </a:lnSpc>
+              <a:spcBef>
+                <a:spcPts val="500"/>
+              </a:spcBef>
+              <a:buFont typeface="Arial" panose="020B0604020202020204" pitchFamily="34" charset="0"/>
+              <a:buChar char="•"/>
+              <a:defRPr sz="1200" kern="1200">
+                <a:solidFill>
+                  <a:schemeClr val="tx1"/>
+                </a:solidFill>
+                <a:effectLst>
+                  <a:outerShdw blurRad="50800" dist="38100" dir="2700000" algn="tl" rotWithShape="0">
+                    <a:srgbClr val="000000">
+                      <a:alpha val="48000"/>
+                    </a:srgbClr>
+                  </a:outerShdw>
+                </a:effectLst>
+                <a:latin typeface="+mn-lt"/>
+                <a:ea typeface="+mn-ea"/>
+                <a:cs typeface="+mn-cs"/>
+              </a:defRPr>
+            </a:lvl5pPr>
+            <a:lvl6pPr marL="2514600" indent="-228600" algn="l" defTabSz="914400" rtl="0" eaLnBrk="1" latinLnBrk="0" hangingPunct="1">
+              <a:lnSpc>
+                <a:spcPct val="120000"/>
+              </a:lnSpc>
+              <a:spcBef>
+                <a:spcPts val="500"/>
+              </a:spcBef>
+              <a:buFont typeface="Arial" panose="020B0604020202020204" pitchFamily="34" charset="0"/>
+              <a:buChar char="•"/>
+              <a:defRPr sz="1200" kern="1200">
+                <a:solidFill>
+                  <a:schemeClr val="tx1"/>
+                </a:solidFill>
+                <a:effectLst>
+                  <a:outerShdw blurRad="50800" dist="38100" dir="2700000" algn="tl" rotWithShape="0">
+                    <a:srgbClr val="000000">
+                      <a:alpha val="48000"/>
+                    </a:srgbClr>
+                  </a:outerShdw>
+                </a:effectLst>
+                <a:latin typeface="+mn-lt"/>
+                <a:ea typeface="+mn-ea"/>
+                <a:cs typeface="+mn-cs"/>
+              </a:defRPr>
+            </a:lvl6pPr>
+            <a:lvl7pPr marL="2971800" indent="-228600" algn="l" defTabSz="914400" rtl="0" eaLnBrk="1" latinLnBrk="0" hangingPunct="1">
+              <a:lnSpc>
+                <a:spcPct val="120000"/>
+              </a:lnSpc>
+              <a:spcBef>
+                <a:spcPts val="500"/>
+              </a:spcBef>
+              <a:buFont typeface="Arial" panose="020B0604020202020204" pitchFamily="34" charset="0"/>
+              <a:buChar char="•"/>
+              <a:defRPr sz="1200" kern="1200">
+                <a:solidFill>
+                  <a:schemeClr val="tx1"/>
+                </a:solidFill>
+                <a:effectLst>
+                  <a:outerShdw blurRad="50800" dist="38100" dir="2700000" algn="tl" rotWithShape="0">
+                    <a:srgbClr val="000000">
+                      <a:alpha val="48000"/>
+                    </a:srgbClr>
+                  </a:outerShdw>
+                </a:effectLst>
+                <a:latin typeface="+mn-lt"/>
+                <a:ea typeface="+mn-ea"/>
+                <a:cs typeface="+mn-cs"/>
+              </a:defRPr>
+            </a:lvl7pPr>
+            <a:lvl8pPr marL="3429000" indent="-228600" algn="l" defTabSz="914400" rtl="0" eaLnBrk="1" latinLnBrk="0" hangingPunct="1">
+              <a:lnSpc>
+                <a:spcPct val="120000"/>
+              </a:lnSpc>
+              <a:spcBef>
+                <a:spcPts val="500"/>
+              </a:spcBef>
+              <a:buFont typeface="Arial" panose="020B0604020202020204" pitchFamily="34" charset="0"/>
+              <a:buChar char="•"/>
+              <a:defRPr sz="1200" kern="1200">
+                <a:solidFill>
+                  <a:schemeClr val="tx1"/>
+                </a:solidFill>
+                <a:effectLst>
+                  <a:outerShdw blurRad="50800" dist="38100" dir="2700000" algn="tl" rotWithShape="0">
+                    <a:srgbClr val="000000">
+                      <a:alpha val="48000"/>
+                    </a:srgbClr>
+                  </a:outerShdw>
+                </a:effectLst>
+                <a:latin typeface="+mn-lt"/>
+                <a:ea typeface="+mn-ea"/>
+                <a:cs typeface="+mn-cs"/>
+              </a:defRPr>
+            </a:lvl8pPr>
+            <a:lvl9pPr marL="3886200" indent="-228600" algn="l" defTabSz="914400" rtl="0" eaLnBrk="1" latinLnBrk="0" hangingPunct="1">
+              <a:lnSpc>
+                <a:spcPct val="120000"/>
+              </a:lnSpc>
+              <a:spcBef>
+                <a:spcPts val="500"/>
+              </a:spcBef>
+              <a:buFont typeface="Arial" panose="020B0604020202020204" pitchFamily="34" charset="0"/>
+              <a:buChar char="•"/>
+              <a:defRPr sz="1200" kern="1200">
+                <a:solidFill>
+                  <a:schemeClr val="tx1"/>
+                </a:solidFill>
+                <a:effectLst>
+                  <a:outerShdw blurRad="50800" dist="38100" dir="2700000" algn="tl" rotWithShape="0">
+                    <a:srgbClr val="000000">
+                      <a:alpha val="48000"/>
+                    </a:srgbClr>
+                  </a:outerShdw>
+                </a:effectLst>
+                <a:latin typeface="+mn-lt"/>
+                <a:ea typeface="+mn-ea"/>
+                <a:cs typeface="+mn-cs"/>
+              </a:defRPr>
+            </a:lvl9pPr>
+          </a:lstStyle>
+          <a:p>
+            <a:r>
+              <a:rPr lang="en-US" dirty="0"/>
+              <a:t>Example: </a:t>
+            </a:r>
+            <a:r>
+              <a:rPr lang="en-US" dirty="0" err="1"/>
+              <a:t>SnpInv</a:t>
+            </a:r>
+            <a:r>
+              <a:rPr lang="en-US" dirty="0"/>
+              <a:t>, </a:t>
+            </a:r>
+            <a:r>
+              <a:rPr lang="en-US" dirty="0" err="1"/>
+              <a:t>SnpRd</a:t>
+            </a:r>
+            <a:r>
+              <a:rPr lang="en-US" dirty="0"/>
+              <a:t>, </a:t>
+            </a:r>
+            <a:r>
+              <a:rPr lang="en-US" dirty="0" err="1"/>
+              <a:t>SnpData</a:t>
+            </a:r>
+            <a:r>
+              <a:rPr lang="en-US" dirty="0"/>
+              <a:t>, </a:t>
+            </a:r>
+          </a:p>
+          <a:p>
+            <a:r>
+              <a:rPr lang="en-US" dirty="0"/>
               <a:t>Partial Write</a:t>
             </a:r>
           </a:p>
           <a:p>
             <a:r>
-              <a:rPr lang="en-US"/>
+              <a:rPr lang="en-US" dirty="0"/>
               <a:t>Fill</a:t>
             </a:r>
           </a:p>
           <a:p>
             <a:r>
-              <a:rPr lang="en-US"/>
+              <a:rPr lang="en-US" dirty="0"/>
               <a:t>Prefetch</a:t>
             </a:r>
           </a:p>
           <a:p>
             <a:r>
-              <a:rPr lang="en-US"/>
+              <a:rPr lang="en-US" dirty="0"/>
               <a:t>Silent Evict , Clean Evict ,Dirty Evict</a:t>
             </a:r>
           </a:p>
           <a:p>
             <a:r>
-              <a:rPr lang="en-US"/>
+              <a:rPr lang="en-US" dirty="0"/>
               <a:t>Write Back</a:t>
             </a:r>
           </a:p>
           <a:p>
             <a:r>
-              <a:rPr lang="en-US"/>
+              <a:rPr lang="en-US" dirty="0"/>
               <a:t>Clean Data forwarding</a:t>
             </a:r>
           </a:p>
           <a:p>
             <a:r>
-              <a:rPr lang="en-US"/>
+              <a:rPr lang="en-US" dirty="0"/>
               <a:t>Cache 2 Cache forwarding</a:t>
             </a:r>
           </a:p>
           <a:p>
-            <a:endParaRPr lang="en-US"/>
+            <a:endParaRPr lang="en-US" dirty="0"/>
           </a:p>
         </p:txBody>
       </p:sp>
